--- a/Project 1 Presentation.pptx
+++ b/Project 1 Presentation.pptx
@@ -12881,7 +12881,7 @@
         </p:nvSpPr>
         <p:spPr>
           <a:xfrm>
-            <a:off x="1777323" y="4243241"/>
+            <a:off x="7356087" y="808947"/>
             <a:ext cx="3853829" cy="1849586"/>
           </a:xfrm>
         </p:spPr>
@@ -12919,7 +12919,7 @@
         </p:nvSpPr>
         <p:spPr>
           <a:xfrm>
-            <a:off x="6155705" y="4202832"/>
+            <a:off x="6650636" y="4165718"/>
             <a:ext cx="5264729" cy="1883335"/>
           </a:xfrm>
           <a:prstGeom prst="rect">
@@ -12966,52 +12966,6 @@
           </a:p>
         </p:txBody>
       </p:sp>
-      <p:pic>
-        <p:nvPicPr>
-          <p:cNvPr id="13314" name="Picture 2">
-            <a:extLst>
-              <a:ext uri="{FF2B5EF4-FFF2-40B4-BE49-F238E27FC236}">
-                <a16:creationId xmlns:a16="http://schemas.microsoft.com/office/drawing/2014/main" id="{3FC4E87A-B0EF-DDE6-EEA7-AB7908714EC9}"/>
-              </a:ext>
-            </a:extLst>
-          </p:cNvPr>
-          <p:cNvPicPr>
-            <a:picLocks noChangeAspect="1" noChangeArrowheads="1"/>
-          </p:cNvPicPr>
-          <p:nvPr/>
-        </p:nvPicPr>
-        <p:blipFill>
-          <a:blip r:embed="rId2">
-            <a:extLst>
-              <a:ext uri="{28A0092B-C50C-407E-A947-70E740481C1C}">
-                <a14:useLocalDpi xmlns:a14="http://schemas.microsoft.com/office/drawing/2010/main" val="0"/>
-              </a:ext>
-            </a:extLst>
-          </a:blip>
-          <a:stretch>
-            <a:fillRect/>
-          </a:stretch>
-        </p:blipFill>
-        <p:spPr bwMode="auto">
-          <a:xfrm>
-            <a:off x="1777323" y="565153"/>
-            <a:ext cx="9479235" cy="3151845"/>
-          </a:xfrm>
-          <a:prstGeom prst="rect">
-            <a:avLst/>
-          </a:prstGeom>
-          <a:noFill/>
-          <a:extLst>
-            <a:ext uri="{909E8E84-426E-40DD-AFC4-6F175D3DCCD1}">
-              <a14:hiddenFill xmlns:a14="http://schemas.microsoft.com/office/drawing/2010/main">
-                <a:solidFill>
-                  <a:srgbClr val="FFFFFF"/>
-                </a:solidFill>
-              </a14:hiddenFill>
-            </a:ext>
-          </a:extLst>
-        </p:spPr>
-      </p:pic>
       <p:sp>
         <p:nvSpPr>
           <p:cNvPr id="6" name="TextBox 5">
@@ -13047,6 +13001,53 @@
           </a:p>
         </p:txBody>
       </p:sp>
+      <p:pic>
+        <p:nvPicPr>
+          <p:cNvPr id="13316" name="Picture 4">
+            <a:extLst>
+              <a:ext uri="{FF2B5EF4-FFF2-40B4-BE49-F238E27FC236}">
+                <a16:creationId xmlns:a16="http://schemas.microsoft.com/office/drawing/2014/main" id="{1E226A19-DCCD-F5DD-9EEC-6B7C0E945524}"/>
+              </a:ext>
+            </a:extLst>
+          </p:cNvPr>
+          <p:cNvPicPr>
+            <a:picLocks noChangeAspect="1" noChangeArrowheads="1"/>
+          </p:cNvPicPr>
+          <p:nvPr/>
+        </p:nvPicPr>
+        <p:blipFill>
+          <a:blip r:embed="rId2">
+            <a:extLst>
+              <a:ext uri="{28A0092B-C50C-407E-A947-70E740481C1C}">
+                <a14:useLocalDpi xmlns:a14="http://schemas.microsoft.com/office/drawing/2010/main" val="0"/>
+              </a:ext>
+            </a:extLst>
+          </a:blip>
+          <a:srcRect/>
+          <a:stretch>
+            <a:fillRect/>
+          </a:stretch>
+        </p:blipFill>
+        <p:spPr bwMode="auto">
+          <a:xfrm>
+            <a:off x="1371133" y="291232"/>
+            <a:ext cx="5264729" cy="4941168"/>
+          </a:xfrm>
+          <a:prstGeom prst="rect">
+            <a:avLst/>
+          </a:prstGeom>
+          <a:noFill/>
+          <a:extLst>
+            <a:ext uri="{909E8E84-426E-40DD-AFC4-6F175D3DCCD1}">
+              <a14:hiddenFill xmlns:a14="http://schemas.microsoft.com/office/drawing/2010/main">
+                <a:solidFill>
+                  <a:srgbClr val="FFFFFF"/>
+                </a:solidFill>
+              </a14:hiddenFill>
+            </a:ext>
+          </a:extLst>
+        </p:spPr>
+      </p:pic>
     </p:spTree>
     <p:extLst>
       <p:ext uri="{BB962C8B-B14F-4D97-AF65-F5344CB8AC3E}">
@@ -18771,6 +18772,86 @@
   <p:clrMapOvr>
     <a:masterClrMapping/>
   </p:clrMapOvr>
+  <p:timing>
+    <p:tnLst>
+      <p:par>
+        <p:cTn id="1" dur="indefinite" restart="never" nodeType="tmRoot">
+          <p:childTnLst>
+            <p:seq concurrent="1" nextAc="seek">
+              <p:cTn id="2" dur="indefinite" nodeType="mainSeq">
+                <p:childTnLst>
+                  <p:par>
+                    <p:cTn id="3" fill="hold">
+                      <p:stCondLst>
+                        <p:cond delay="indefinite"/>
+                      </p:stCondLst>
+                      <p:childTnLst>
+                        <p:par>
+                          <p:cTn id="4" fill="hold">
+                            <p:stCondLst>
+                              <p:cond delay="0"/>
+                            </p:stCondLst>
+                            <p:childTnLst>
+                              <p:par>
+                                <p:cTn id="5" presetID="1" presetClass="entr" presetSubtype="0" fill="hold" grpId="0" nodeType="clickEffect">
+                                  <p:stCondLst>
+                                    <p:cond delay="0"/>
+                                  </p:stCondLst>
+                                  <p:childTnLst>
+                                    <p:set>
+                                      <p:cBhvr>
+                                        <p:cTn id="6" dur="1" fill="hold">
+                                          <p:stCondLst>
+                                            <p:cond delay="0"/>
+                                          </p:stCondLst>
+                                        </p:cTn>
+                                        <p:tgtEl>
+                                          <p:spTgt spid="5"/>
+                                        </p:tgtEl>
+                                        <p:attrNameLst>
+                                          <p:attrName>style.visibility</p:attrName>
+                                        </p:attrNameLst>
+                                      </p:cBhvr>
+                                      <p:to>
+                                        <p:strVal val="visible"/>
+                                      </p:to>
+                                    </p:set>
+                                  </p:childTnLst>
+                                </p:cTn>
+                              </p:par>
+                            </p:childTnLst>
+                          </p:cTn>
+                        </p:par>
+                      </p:childTnLst>
+                    </p:cTn>
+                  </p:par>
+                </p:childTnLst>
+              </p:cTn>
+              <p:prevCondLst>
+                <p:cond evt="onPrev" delay="0">
+                  <p:tgtEl>
+                    <p:sldTgt/>
+                  </p:tgtEl>
+                </p:cond>
+              </p:prevCondLst>
+              <p:nextCondLst>
+                <p:cond evt="onNext" delay="0">
+                  <p:tgtEl>
+                    <p:sldTgt/>
+                  </p:tgtEl>
+                </p:cond>
+              </p:nextCondLst>
+            </p:seq>
+          </p:childTnLst>
+        </p:cTn>
+      </p:par>
+    </p:tnLst>
+    <p:bldLst>
+      <p:bldGraphic spid="5" grpId="0">
+        <p:bldAsOne/>
+      </p:bldGraphic>
+    </p:bldLst>
+  </p:timing>
 </p:sld>
 </file>
 
